--- a/Data Structures/slides/COM2067_Chapter8.pptx
+++ b/Data Structures/slides/COM2067_Chapter8.pptx
@@ -54,14 +54,14 @@
   <p:notesSz cx="6858000" cy="9144000"/>
   <p:embeddedFontLst>
     <p:embeddedFont>
-      <p:font typeface="Calibri" panose="020F0502020204030204" pitchFamily="34" charset="0"/>
+      <p:font typeface="Century Gothic" panose="020B0502020202020204" pitchFamily="34" charset="0"/>
       <p:regular r:id="rId44"/>
       <p:bold r:id="rId45"/>
       <p:italic r:id="rId46"/>
       <p:boldItalic r:id="rId47"/>
     </p:embeddedFont>
     <p:embeddedFont>
-      <p:font typeface="Century Gothic" panose="020B0502020202020204" pitchFamily="34" charset="0"/>
+      <p:font typeface="Calibri" panose="020F0502020204030204" pitchFamily="34" charset="0"/>
       <p:regular r:id="rId48"/>
       <p:bold r:id="rId49"/>
       <p:italic r:id="rId50"/>
@@ -1280,7 +1280,7 @@
     </p:spTree>
     <p:extLst>
       <p:ext uri="{BB962C8B-B14F-4D97-AF65-F5344CB8AC3E}">
-        <p14:creationId xmlns:p14="http://schemas.microsoft.com/office/powerpoint/2010/main" val="3371907718"/>
+        <p14:creationId xmlns:p14="http://schemas.microsoft.com/office/powerpoint/2010/main" val="131982310"/>
       </p:ext>
     </p:extLst>
   </p:cSld>
@@ -1616,7 +1616,7 @@
     </p:spTree>
     <p:extLst>
       <p:ext uri="{BB962C8B-B14F-4D97-AF65-F5344CB8AC3E}">
-        <p14:creationId xmlns:p14="http://schemas.microsoft.com/office/powerpoint/2010/main" val="1679811398"/>
+        <p14:creationId xmlns:p14="http://schemas.microsoft.com/office/powerpoint/2010/main" val="3379121178"/>
       </p:ext>
     </p:extLst>
   </p:cSld>
@@ -1785,7 +1785,7 @@
     </p:spTree>
     <p:extLst>
       <p:ext uri="{BB962C8B-B14F-4D97-AF65-F5344CB8AC3E}">
-        <p14:creationId xmlns:p14="http://schemas.microsoft.com/office/powerpoint/2010/main" val="1644614830"/>
+        <p14:creationId xmlns:p14="http://schemas.microsoft.com/office/powerpoint/2010/main" val="2438276145"/>
       </p:ext>
     </p:extLst>
   </p:cSld>
@@ -1954,7 +1954,7 @@
     </p:spTree>
     <p:extLst>
       <p:ext uri="{BB962C8B-B14F-4D97-AF65-F5344CB8AC3E}">
-        <p14:creationId xmlns:p14="http://schemas.microsoft.com/office/powerpoint/2010/main" val="3189166779"/>
+        <p14:creationId xmlns:p14="http://schemas.microsoft.com/office/powerpoint/2010/main" val="1441928264"/>
       </p:ext>
     </p:extLst>
   </p:cSld>
@@ -2123,7 +2123,7 @@
     </p:spTree>
     <p:extLst>
       <p:ext uri="{BB962C8B-B14F-4D97-AF65-F5344CB8AC3E}">
-        <p14:creationId xmlns:p14="http://schemas.microsoft.com/office/powerpoint/2010/main" val="897803282"/>
+        <p14:creationId xmlns:p14="http://schemas.microsoft.com/office/powerpoint/2010/main" val="3670959175"/>
       </p:ext>
     </p:extLst>
   </p:cSld>
@@ -2292,7 +2292,7 @@
     </p:spTree>
     <p:extLst>
       <p:ext uri="{BB962C8B-B14F-4D97-AF65-F5344CB8AC3E}">
-        <p14:creationId xmlns:p14="http://schemas.microsoft.com/office/powerpoint/2010/main" val="3938515205"/>
+        <p14:creationId xmlns:p14="http://schemas.microsoft.com/office/powerpoint/2010/main" val="3032835341"/>
       </p:ext>
     </p:extLst>
   </p:cSld>
@@ -2461,7 +2461,7 @@
     </p:spTree>
     <p:extLst>
       <p:ext uri="{BB962C8B-B14F-4D97-AF65-F5344CB8AC3E}">
-        <p14:creationId xmlns:p14="http://schemas.microsoft.com/office/powerpoint/2010/main" val="2921566369"/>
+        <p14:creationId xmlns:p14="http://schemas.microsoft.com/office/powerpoint/2010/main" val="4019981912"/>
       </p:ext>
     </p:extLst>
   </p:cSld>
@@ -2630,7 +2630,7 @@
     </p:spTree>
     <p:extLst>
       <p:ext uri="{BB962C8B-B14F-4D97-AF65-F5344CB8AC3E}">
-        <p14:creationId xmlns:p14="http://schemas.microsoft.com/office/powerpoint/2010/main" val="3296075609"/>
+        <p14:creationId xmlns:p14="http://schemas.microsoft.com/office/powerpoint/2010/main" val="2684727867"/>
       </p:ext>
     </p:extLst>
   </p:cSld>
@@ -2799,7 +2799,7 @@
     </p:spTree>
     <p:extLst>
       <p:ext uri="{BB962C8B-B14F-4D97-AF65-F5344CB8AC3E}">
-        <p14:creationId xmlns:p14="http://schemas.microsoft.com/office/powerpoint/2010/main" val="1469666294"/>
+        <p14:creationId xmlns:p14="http://schemas.microsoft.com/office/powerpoint/2010/main" val="280079833"/>
       </p:ext>
     </p:extLst>
   </p:cSld>
@@ -2968,7 +2968,7 @@
     </p:spTree>
     <p:extLst>
       <p:ext uri="{BB962C8B-B14F-4D97-AF65-F5344CB8AC3E}">
-        <p14:creationId xmlns:p14="http://schemas.microsoft.com/office/powerpoint/2010/main" val="2468693407"/>
+        <p14:creationId xmlns:p14="http://schemas.microsoft.com/office/powerpoint/2010/main" val="99351572"/>
       </p:ext>
     </p:extLst>
   </p:cSld>
@@ -3137,7 +3137,7 @@
     </p:spTree>
     <p:extLst>
       <p:ext uri="{BB962C8B-B14F-4D97-AF65-F5344CB8AC3E}">
-        <p14:creationId xmlns:p14="http://schemas.microsoft.com/office/powerpoint/2010/main" val="1538203287"/>
+        <p14:creationId xmlns:p14="http://schemas.microsoft.com/office/powerpoint/2010/main" val="1686139171"/>
       </p:ext>
     </p:extLst>
   </p:cSld>
@@ -3306,7 +3306,7 @@
     </p:spTree>
     <p:extLst>
       <p:ext uri="{BB962C8B-B14F-4D97-AF65-F5344CB8AC3E}">
-        <p14:creationId xmlns:p14="http://schemas.microsoft.com/office/powerpoint/2010/main" val="3436438365"/>
+        <p14:creationId xmlns:p14="http://schemas.microsoft.com/office/powerpoint/2010/main" val="2257090998"/>
       </p:ext>
     </p:extLst>
   </p:cSld>
@@ -3415,7 +3415,7 @@
     </p:spTree>
     <p:extLst>
       <p:ext uri="{BB962C8B-B14F-4D97-AF65-F5344CB8AC3E}">
-        <p14:creationId xmlns:p14="http://schemas.microsoft.com/office/powerpoint/2010/main" val="3104346287"/>
+        <p14:creationId xmlns:p14="http://schemas.microsoft.com/office/powerpoint/2010/main" val="4282181206"/>
       </p:ext>
     </p:extLst>
   </p:cSld>
@@ -3584,7 +3584,7 @@
     </p:spTree>
     <p:extLst>
       <p:ext uri="{BB962C8B-B14F-4D97-AF65-F5344CB8AC3E}">
-        <p14:creationId xmlns:p14="http://schemas.microsoft.com/office/powerpoint/2010/main" val="1363827938"/>
+        <p14:creationId xmlns:p14="http://schemas.microsoft.com/office/powerpoint/2010/main" val="2767248267"/>
       </p:ext>
     </p:extLst>
   </p:cSld>
@@ -3753,7 +3753,7 @@
     </p:spTree>
     <p:extLst>
       <p:ext uri="{BB962C8B-B14F-4D97-AF65-F5344CB8AC3E}">
-        <p14:creationId xmlns:p14="http://schemas.microsoft.com/office/powerpoint/2010/main" val="3425214313"/>
+        <p14:creationId xmlns:p14="http://schemas.microsoft.com/office/powerpoint/2010/main" val="141007760"/>
       </p:ext>
     </p:extLst>
   </p:cSld>
@@ -3922,7 +3922,7 @@
     </p:spTree>
     <p:extLst>
       <p:ext uri="{BB962C8B-B14F-4D97-AF65-F5344CB8AC3E}">
-        <p14:creationId xmlns:p14="http://schemas.microsoft.com/office/powerpoint/2010/main" val="2538782179"/>
+        <p14:creationId xmlns:p14="http://schemas.microsoft.com/office/powerpoint/2010/main" val="497027932"/>
       </p:ext>
     </p:extLst>
   </p:cSld>
@@ -4091,7 +4091,7 @@
     </p:spTree>
     <p:extLst>
       <p:ext uri="{BB962C8B-B14F-4D97-AF65-F5344CB8AC3E}">
-        <p14:creationId xmlns:p14="http://schemas.microsoft.com/office/powerpoint/2010/main" val="3467743652"/>
+        <p14:creationId xmlns:p14="http://schemas.microsoft.com/office/powerpoint/2010/main" val="3466044584"/>
       </p:ext>
     </p:extLst>
   </p:cSld>
@@ -4260,7 +4260,7 @@
     </p:spTree>
     <p:extLst>
       <p:ext uri="{BB962C8B-B14F-4D97-AF65-F5344CB8AC3E}">
-        <p14:creationId xmlns:p14="http://schemas.microsoft.com/office/powerpoint/2010/main" val="1391190841"/>
+        <p14:creationId xmlns:p14="http://schemas.microsoft.com/office/powerpoint/2010/main" val="2521847800"/>
       </p:ext>
     </p:extLst>
   </p:cSld>
@@ -4429,7 +4429,7 @@
     </p:spTree>
     <p:extLst>
       <p:ext uri="{BB962C8B-B14F-4D97-AF65-F5344CB8AC3E}">
-        <p14:creationId xmlns:p14="http://schemas.microsoft.com/office/powerpoint/2010/main" val="796522116"/>
+        <p14:creationId xmlns:p14="http://schemas.microsoft.com/office/powerpoint/2010/main" val="2118743373"/>
       </p:ext>
     </p:extLst>
   </p:cSld>
@@ -4598,7 +4598,7 @@
     </p:spTree>
     <p:extLst>
       <p:ext uri="{BB962C8B-B14F-4D97-AF65-F5344CB8AC3E}">
-        <p14:creationId xmlns:p14="http://schemas.microsoft.com/office/powerpoint/2010/main" val="1181218537"/>
+        <p14:creationId xmlns:p14="http://schemas.microsoft.com/office/powerpoint/2010/main" val="1366519450"/>
       </p:ext>
     </p:extLst>
   </p:cSld>
@@ -4767,7 +4767,7 @@
     </p:spTree>
     <p:extLst>
       <p:ext uri="{BB962C8B-B14F-4D97-AF65-F5344CB8AC3E}">
-        <p14:creationId xmlns:p14="http://schemas.microsoft.com/office/powerpoint/2010/main" val="3112770650"/>
+        <p14:creationId xmlns:p14="http://schemas.microsoft.com/office/powerpoint/2010/main" val="3543330743"/>
       </p:ext>
     </p:extLst>
   </p:cSld>
@@ -4936,7 +4936,7 @@
     </p:spTree>
     <p:extLst>
       <p:ext uri="{BB962C8B-B14F-4D97-AF65-F5344CB8AC3E}">
-        <p14:creationId xmlns:p14="http://schemas.microsoft.com/office/powerpoint/2010/main" val="3945921568"/>
+        <p14:creationId xmlns:p14="http://schemas.microsoft.com/office/powerpoint/2010/main" val="2945470931"/>
       </p:ext>
     </p:extLst>
   </p:cSld>
@@ -5105,7 +5105,7 @@
     </p:spTree>
     <p:extLst>
       <p:ext uri="{BB962C8B-B14F-4D97-AF65-F5344CB8AC3E}">
-        <p14:creationId xmlns:p14="http://schemas.microsoft.com/office/powerpoint/2010/main" val="1664767168"/>
+        <p14:creationId xmlns:p14="http://schemas.microsoft.com/office/powerpoint/2010/main" val="3129410922"/>
       </p:ext>
     </p:extLst>
   </p:cSld>
@@ -5274,7 +5274,7 @@
     </p:spTree>
     <p:extLst>
       <p:ext uri="{BB962C8B-B14F-4D97-AF65-F5344CB8AC3E}">
-        <p14:creationId xmlns:p14="http://schemas.microsoft.com/office/powerpoint/2010/main" val="3342746474"/>
+        <p14:creationId xmlns:p14="http://schemas.microsoft.com/office/powerpoint/2010/main" val="2430899160"/>
       </p:ext>
     </p:extLst>
   </p:cSld>
@@ -5443,7 +5443,7 @@
     </p:spTree>
     <p:extLst>
       <p:ext uri="{BB962C8B-B14F-4D97-AF65-F5344CB8AC3E}">
-        <p14:creationId xmlns:p14="http://schemas.microsoft.com/office/powerpoint/2010/main" val="2169127990"/>
+        <p14:creationId xmlns:p14="http://schemas.microsoft.com/office/powerpoint/2010/main" val="1442847347"/>
       </p:ext>
     </p:extLst>
   </p:cSld>
@@ -5612,7 +5612,7 @@
     </p:spTree>
     <p:extLst>
       <p:ext uri="{BB962C8B-B14F-4D97-AF65-F5344CB8AC3E}">
-        <p14:creationId xmlns:p14="http://schemas.microsoft.com/office/powerpoint/2010/main" val="4029200340"/>
+        <p14:creationId xmlns:p14="http://schemas.microsoft.com/office/powerpoint/2010/main" val="3574242950"/>
       </p:ext>
     </p:extLst>
   </p:cSld>
@@ -5781,7 +5781,7 @@
     </p:spTree>
     <p:extLst>
       <p:ext uri="{BB962C8B-B14F-4D97-AF65-F5344CB8AC3E}">
-        <p14:creationId xmlns:p14="http://schemas.microsoft.com/office/powerpoint/2010/main" val="2570412138"/>
+        <p14:creationId xmlns:p14="http://schemas.microsoft.com/office/powerpoint/2010/main" val="3816159441"/>
       </p:ext>
     </p:extLst>
   </p:cSld>
@@ -5950,7 +5950,7 @@
     </p:spTree>
     <p:extLst>
       <p:ext uri="{BB962C8B-B14F-4D97-AF65-F5344CB8AC3E}">
-        <p14:creationId xmlns:p14="http://schemas.microsoft.com/office/powerpoint/2010/main" val="4100499928"/>
+        <p14:creationId xmlns:p14="http://schemas.microsoft.com/office/powerpoint/2010/main" val="2937151689"/>
       </p:ext>
     </p:extLst>
   </p:cSld>
@@ -6119,7 +6119,7 @@
     </p:spTree>
     <p:extLst>
       <p:ext uri="{BB962C8B-B14F-4D97-AF65-F5344CB8AC3E}">
-        <p14:creationId xmlns:p14="http://schemas.microsoft.com/office/powerpoint/2010/main" val="3704903750"/>
+        <p14:creationId xmlns:p14="http://schemas.microsoft.com/office/powerpoint/2010/main" val="1090844826"/>
       </p:ext>
     </p:extLst>
   </p:cSld>
@@ -6288,7 +6288,7 @@
     </p:spTree>
     <p:extLst>
       <p:ext uri="{BB962C8B-B14F-4D97-AF65-F5344CB8AC3E}">
-        <p14:creationId xmlns:p14="http://schemas.microsoft.com/office/powerpoint/2010/main" val="2877468014"/>
+        <p14:creationId xmlns:p14="http://schemas.microsoft.com/office/powerpoint/2010/main" val="1727848138"/>
       </p:ext>
     </p:extLst>
   </p:cSld>
@@ -6457,7 +6457,7 @@
     </p:spTree>
     <p:extLst>
       <p:ext uri="{BB962C8B-B14F-4D97-AF65-F5344CB8AC3E}">
-        <p14:creationId xmlns:p14="http://schemas.microsoft.com/office/powerpoint/2010/main" val="2660691374"/>
+        <p14:creationId xmlns:p14="http://schemas.microsoft.com/office/powerpoint/2010/main" val="1478992852"/>
       </p:ext>
     </p:extLst>
   </p:cSld>
@@ -6626,7 +6626,7 @@
     </p:spTree>
     <p:extLst>
       <p:ext uri="{BB962C8B-B14F-4D97-AF65-F5344CB8AC3E}">
-        <p14:creationId xmlns:p14="http://schemas.microsoft.com/office/powerpoint/2010/main" val="1904797623"/>
+        <p14:creationId xmlns:p14="http://schemas.microsoft.com/office/powerpoint/2010/main" val="891851612"/>
       </p:ext>
     </p:extLst>
   </p:cSld>
@@ -6795,7 +6795,7 @@
     </p:spTree>
     <p:extLst>
       <p:ext uri="{BB962C8B-B14F-4D97-AF65-F5344CB8AC3E}">
-        <p14:creationId xmlns:p14="http://schemas.microsoft.com/office/powerpoint/2010/main" val="3182610860"/>
+        <p14:creationId xmlns:p14="http://schemas.microsoft.com/office/powerpoint/2010/main" val="2700163126"/>
       </p:ext>
     </p:extLst>
   </p:cSld>
@@ -6964,7 +6964,7 @@
     </p:spTree>
     <p:extLst>
       <p:ext uri="{BB962C8B-B14F-4D97-AF65-F5344CB8AC3E}">
-        <p14:creationId xmlns:p14="http://schemas.microsoft.com/office/powerpoint/2010/main" val="2782496757"/>
+        <p14:creationId xmlns:p14="http://schemas.microsoft.com/office/powerpoint/2010/main" val="1293087293"/>
       </p:ext>
     </p:extLst>
   </p:cSld>
@@ -7133,7 +7133,7 @@
     </p:spTree>
     <p:extLst>
       <p:ext uri="{BB962C8B-B14F-4D97-AF65-F5344CB8AC3E}">
-        <p14:creationId xmlns:p14="http://schemas.microsoft.com/office/powerpoint/2010/main" val="2241112080"/>
+        <p14:creationId xmlns:p14="http://schemas.microsoft.com/office/powerpoint/2010/main" val="2023450764"/>
       </p:ext>
     </p:extLst>
   </p:cSld>
@@ -7302,7 +7302,7 @@
     </p:spTree>
     <p:extLst>
       <p:ext uri="{BB962C8B-B14F-4D97-AF65-F5344CB8AC3E}">
-        <p14:creationId xmlns:p14="http://schemas.microsoft.com/office/powerpoint/2010/main" val="3682198411"/>
+        <p14:creationId xmlns:p14="http://schemas.microsoft.com/office/powerpoint/2010/main" val="3571769782"/>
       </p:ext>
     </p:extLst>
   </p:cSld>
@@ -7471,7 +7471,7 @@
     </p:spTree>
     <p:extLst>
       <p:ext uri="{BB962C8B-B14F-4D97-AF65-F5344CB8AC3E}">
-        <p14:creationId xmlns:p14="http://schemas.microsoft.com/office/powerpoint/2010/main" val="1508584651"/>
+        <p14:creationId xmlns:p14="http://schemas.microsoft.com/office/powerpoint/2010/main" val="145852255"/>
       </p:ext>
     </p:extLst>
   </p:cSld>
@@ -7640,7 +7640,7 @@
     </p:spTree>
     <p:extLst>
       <p:ext uri="{BB962C8B-B14F-4D97-AF65-F5344CB8AC3E}">
-        <p14:creationId xmlns:p14="http://schemas.microsoft.com/office/powerpoint/2010/main" val="3640003906"/>
+        <p14:creationId xmlns:p14="http://schemas.microsoft.com/office/powerpoint/2010/main" val="1086760515"/>
       </p:ext>
     </p:extLst>
   </p:cSld>
@@ -7809,7 +7809,7 @@
     </p:spTree>
     <p:extLst>
       <p:ext uri="{BB962C8B-B14F-4D97-AF65-F5344CB8AC3E}">
-        <p14:creationId xmlns:p14="http://schemas.microsoft.com/office/powerpoint/2010/main" val="3895843054"/>
+        <p14:creationId xmlns:p14="http://schemas.microsoft.com/office/powerpoint/2010/main" val="4158626684"/>
       </p:ext>
     </p:extLst>
   </p:cSld>
@@ -7978,7 +7978,7 @@
     </p:spTree>
     <p:extLst>
       <p:ext uri="{BB962C8B-B14F-4D97-AF65-F5344CB8AC3E}">
-        <p14:creationId xmlns:p14="http://schemas.microsoft.com/office/powerpoint/2010/main" val="601939272"/>
+        <p14:creationId xmlns:p14="http://schemas.microsoft.com/office/powerpoint/2010/main" val="883713810"/>
       </p:ext>
     </p:extLst>
   </p:cSld>
@@ -8147,7 +8147,7 @@
     </p:spTree>
     <p:extLst>
       <p:ext uri="{BB962C8B-B14F-4D97-AF65-F5344CB8AC3E}">
-        <p14:creationId xmlns:p14="http://schemas.microsoft.com/office/powerpoint/2010/main" val="1791580340"/>
+        <p14:creationId xmlns:p14="http://schemas.microsoft.com/office/powerpoint/2010/main" val="1696671875"/>
       </p:ext>
     </p:extLst>
   </p:cSld>
@@ -8316,7 +8316,7 @@
     </p:spTree>
     <p:extLst>
       <p:ext uri="{BB962C8B-B14F-4D97-AF65-F5344CB8AC3E}">
-        <p14:creationId xmlns:p14="http://schemas.microsoft.com/office/powerpoint/2010/main" val="3560442828"/>
+        <p14:creationId xmlns:p14="http://schemas.microsoft.com/office/powerpoint/2010/main" val="1098202287"/>
       </p:ext>
     </p:extLst>
   </p:cSld>
@@ -27911,11 +27911,11 @@
               <a:buNone/>
             </a:pPr>
             <a:r>
-              <a:rPr lang="tr-TR" smtClean="0"/>
+              <a:rPr lang="tr-TR" dirty="0" smtClean="0"/>
               <a:t>CO</a:t>
             </a:r>
             <a:r>
-              <a:rPr lang="en-US" smtClean="0"/>
+              <a:rPr lang="en-US" dirty="0" smtClean="0"/>
               <a:t>M2</a:t>
             </a:r>
             <a:r>
@@ -27925,6 +27925,10 @@
             <a:r>
               <a:rPr lang="en-US" dirty="0" smtClean="0"/>
               <a:t>67</a:t>
+            </a:r>
+            <a:r>
+              <a:rPr lang="tr-TR" smtClean="0"/>
+              <a:t>/ COM267</a:t>
             </a:r>
             <a:endParaRPr dirty="0"/>
           </a:p>
@@ -27970,37 +27974,9 @@
               <a:buNone/>
             </a:pPr>
             <a:r>
-              <a:rPr lang="en-US" dirty="0"/>
-              <a:t>Chapter 8: </a:t>
+              <a:rPr lang="en-US"/>
+              <a:t>Chapter 8: Queues</a:t>
             </a:r>
-            <a:r>
-              <a:rPr lang="en-US" dirty="0" smtClean="0"/>
-              <a:t>Queues</a:t>
-            </a:r>
-            <a:endParaRPr lang="tr-TR" dirty="0" smtClean="0"/>
-          </a:p>
-          <a:p>
-            <a:pPr marL="0" indent="0">
-              <a:spcBef>
-                <a:spcPts val="0"/>
-              </a:spcBef>
-            </a:pPr>
-            <a:r>
-              <a:rPr lang="en-US" b="1"/>
-              <a:t>Data Structures Using C, Second Edition</a:t>
-            </a:r>
-          </a:p>
-          <a:p>
-            <a:pPr marL="0" lvl="0" indent="0" algn="l" rtl="0">
-              <a:spcBef>
-                <a:spcPts val="0"/>
-              </a:spcBef>
-              <a:spcAft>
-                <a:spcPts val="0"/>
-              </a:spcAft>
-              <a:buSzPts val="1368"/>
-              <a:buNone/>
-            </a:pPr>
             <a:endParaRPr b="1"/>
           </a:p>
         </p:txBody>
@@ -31336,14 +31312,14 @@
               <a:buChar char="🞇"/>
             </a:pPr>
             <a:r>
-              <a:rPr lang="en-US" b="1">
+              <a:rPr lang="en-US" b="1" dirty="0">
                 <a:solidFill>
                   <a:srgbClr val="3E3D2D"/>
                 </a:solidFill>
               </a:rPr>
               <a:t>Introduction to Queues</a:t>
             </a:r>
-            <a:endParaRPr/>
+            <a:endParaRPr dirty="0"/>
           </a:p>
           <a:p>
             <a:pPr marL="342900" lvl="0" indent="-274319" algn="l" rtl="0">
@@ -31357,10 +31333,10 @@
               <a:buChar char="🞇"/>
             </a:pPr>
             <a:r>
-              <a:rPr lang="en-US" b="1"/>
+              <a:rPr lang="en-US" b="1" dirty="0"/>
               <a:t>Array Representation of Queues</a:t>
             </a:r>
-            <a:endParaRPr/>
+            <a:endParaRPr dirty="0"/>
           </a:p>
           <a:p>
             <a:pPr marL="342900" lvl="0" indent="-274319" algn="l" rtl="0">
@@ -31374,10 +31350,10 @@
               <a:buChar char="🞇"/>
             </a:pPr>
             <a:r>
-              <a:rPr lang="en-US" b="1"/>
+              <a:rPr lang="en-US" b="1" dirty="0"/>
               <a:t>Linked Representation of Queues</a:t>
             </a:r>
-            <a:endParaRPr/>
+            <a:endParaRPr dirty="0"/>
           </a:p>
           <a:p>
             <a:pPr marL="342900" lvl="0" indent="-274319" algn="l" rtl="0">
@@ -31391,14 +31367,14 @@
               <a:buChar char="🞇"/>
             </a:pPr>
             <a:r>
-              <a:rPr lang="en-US" b="1">
+              <a:rPr lang="en-US" b="1" dirty="0">
                 <a:solidFill>
                   <a:srgbClr val="3E3D2D"/>
                 </a:solidFill>
               </a:rPr>
               <a:t>Types of Queues</a:t>
             </a:r>
-            <a:endParaRPr/>
+            <a:endParaRPr dirty="0"/>
           </a:p>
           <a:p>
             <a:pPr marL="640080" lvl="1" indent="-274320" algn="l" rtl="0">
@@ -31412,14 +31388,14 @@
               <a:buChar char="🞇"/>
             </a:pPr>
             <a:r>
-              <a:rPr lang="en-US" b="1">
+              <a:rPr lang="en-US" b="1" dirty="0">
                 <a:solidFill>
                   <a:srgbClr val="3E3D2D"/>
                 </a:solidFill>
               </a:rPr>
               <a:t>Circular Queues</a:t>
             </a:r>
-            <a:endParaRPr/>
+            <a:endParaRPr dirty="0"/>
           </a:p>
           <a:p>
             <a:pPr marL="640080" lvl="1" indent="-274320" algn="l" rtl="0">
@@ -31433,14 +31409,14 @@
               <a:buChar char="🞇"/>
             </a:pPr>
             <a:r>
-              <a:rPr lang="en-US" b="1">
+              <a:rPr lang="en-US" b="1" smtClean="0">
                 <a:solidFill>
                   <a:srgbClr val="3E3D2D"/>
                 </a:solidFill>
               </a:rPr>
-              <a:t>Dequeues</a:t>
+              <a:t>Deques</a:t>
             </a:r>
-            <a:endParaRPr/>
+            <a:endParaRPr dirty="0"/>
           </a:p>
           <a:p>
             <a:pPr marL="640080" lvl="1" indent="-274320" algn="l" rtl="0">
@@ -31454,14 +31430,14 @@
               <a:buChar char="🞇"/>
             </a:pPr>
             <a:r>
-              <a:rPr lang="en-US" b="1">
+              <a:rPr lang="en-US" b="1" dirty="0">
                 <a:solidFill>
                   <a:srgbClr val="3E3D2D"/>
                 </a:solidFill>
               </a:rPr>
               <a:t>Priority Queues</a:t>
             </a:r>
-            <a:endParaRPr b="1"/>
+            <a:endParaRPr b="1" dirty="0"/>
           </a:p>
           <a:p>
             <a:pPr marL="640080" lvl="1" indent="-274320" algn="l" rtl="0">
@@ -31475,14 +31451,14 @@
               <a:buChar char="🞇"/>
             </a:pPr>
             <a:r>
-              <a:rPr lang="en-US" b="1">
+              <a:rPr lang="en-US" b="1" dirty="0">
                 <a:solidFill>
                   <a:srgbClr val="3E3D2D"/>
                 </a:solidFill>
               </a:rPr>
               <a:t>Multiple Queues</a:t>
             </a:r>
-            <a:endParaRPr/>
+            <a:endParaRPr dirty="0"/>
           </a:p>
           <a:p>
             <a:pPr marL="342900" lvl="0" indent="-274319" algn="l" rtl="0">
@@ -31496,14 +31472,14 @@
               <a:buChar char="🞇"/>
             </a:pPr>
             <a:r>
-              <a:rPr lang="en-US" b="1">
+              <a:rPr lang="en-US" b="1" dirty="0">
                 <a:solidFill>
                   <a:srgbClr val="3E3D2D"/>
                 </a:solidFill>
               </a:rPr>
               <a:t>Applications of Queues</a:t>
             </a:r>
-            <a:endParaRPr/>
+            <a:endParaRPr dirty="0"/>
           </a:p>
           <a:p>
             <a:pPr marL="342900" lvl="0" indent="-182626" algn="l" rtl="0">
@@ -31516,7 +31492,7 @@
               <a:buSzPts val="1444"/>
               <a:buNone/>
             </a:pPr>
-            <a:endParaRPr sz="1900" b="1">
+            <a:endParaRPr sz="1900" b="1" dirty="0">
               <a:solidFill>
                 <a:srgbClr val="3E3D2D"/>
               </a:solidFill>
@@ -31533,7 +31509,7 @@
               <a:buSzPts val="1444"/>
               <a:buNone/>
             </a:pPr>
-            <a:endParaRPr sz="1900" b="1">
+            <a:endParaRPr sz="1900" b="1" dirty="0">
               <a:solidFill>
                 <a:srgbClr val="3E3D2D"/>
               </a:solidFill>
@@ -34000,10 +33976,10 @@
               <a:buNone/>
             </a:pPr>
             <a:r>
-              <a:rPr lang="en-US" sz="2400" b="1"/>
-              <a:t>Dequeues</a:t>
+              <a:rPr lang="en-US" sz="2400" b="1" dirty="0" err="1" smtClean="0"/>
+              <a:t>Deques</a:t>
             </a:r>
-            <a:endParaRPr sz="2400"/>
+            <a:endParaRPr sz="2400" dirty="0"/>
           </a:p>
         </p:txBody>
       </p:sp>
@@ -34050,10 +34026,26 @@
               <a:buChar char="🞇"/>
             </a:pPr>
             <a:r>
-              <a:rPr lang="en-US" sz="1679" b="1"/>
-              <a:t>A deque (pronounced as ‘deck’ or ‘dequeue’) is a list in which the elements can be inserted or deleted at either end. </a:t>
+              <a:rPr lang="en-US" sz="1679" b="1" dirty="0"/>
+              <a:t>A </a:t>
             </a:r>
-            <a:endParaRPr sz="1679" b="1"/>
+            <a:r>
+              <a:rPr lang="en-US" sz="1679" b="1" dirty="0" err="1"/>
+              <a:t>deque</a:t>
+            </a:r>
+            <a:r>
+              <a:rPr lang="en-US" sz="1679" b="1" dirty="0"/>
+              <a:t> (pronounced as ‘deck’ or ‘</a:t>
+            </a:r>
+            <a:r>
+              <a:rPr lang="en-US" sz="1679" b="1" dirty="0" err="1"/>
+              <a:t>dequeue</a:t>
+            </a:r>
+            <a:r>
+              <a:rPr lang="en-US" sz="1679" b="1" dirty="0"/>
+              <a:t>’) is a list in which the elements can be inserted or deleted at either end. </a:t>
+            </a:r>
+            <a:endParaRPr sz="1679" b="1" dirty="0"/>
           </a:p>
           <a:p>
             <a:pPr marL="342900" lvl="0" indent="-274320" algn="l" rtl="0">
@@ -34070,10 +34062,18 @@
               <a:buChar char="🞇"/>
             </a:pPr>
             <a:r>
-              <a:rPr lang="en-US" sz="1679" b="1"/>
-              <a:t>However, no element can be added and deleted from the middle. In the computer’s memory, a deque is implemented using either a circular array or a circular doubly linked list. </a:t>
+              <a:rPr lang="en-US" sz="1679" b="1" dirty="0"/>
+              <a:t>However, no element can be added and deleted from the middle. In the computer’s memory, a </a:t>
             </a:r>
-            <a:endParaRPr sz="1679" b="1"/>
+            <a:r>
+              <a:rPr lang="en-US" sz="1679" b="1" dirty="0" err="1"/>
+              <a:t>deque</a:t>
+            </a:r>
+            <a:r>
+              <a:rPr lang="en-US" sz="1679" b="1" dirty="0"/>
+              <a:t> is implemented using either a circular array or a circular doubly linked list. </a:t>
+            </a:r>
+            <a:endParaRPr sz="1679" b="1" dirty="0"/>
           </a:p>
           <a:p>
             <a:pPr marL="342900" lvl="0" indent="-274320" algn="l" rtl="0">
@@ -34090,10 +34090,26 @@
               <a:buChar char="🞇"/>
             </a:pPr>
             <a:r>
-              <a:rPr lang="en-US" sz="1679" b="1"/>
-              <a:t>In a deque, two pointers are maintained, LEFT and RIGHT, which point to either end of the deque. </a:t>
+              <a:rPr lang="en-US" sz="1679" b="1" dirty="0"/>
+              <a:t>In a </a:t>
             </a:r>
-            <a:endParaRPr sz="1679" b="1"/>
+            <a:r>
+              <a:rPr lang="en-US" sz="1679" b="1" dirty="0" err="1"/>
+              <a:t>deque</a:t>
+            </a:r>
+            <a:r>
+              <a:rPr lang="en-US" sz="1679" b="1" dirty="0"/>
+              <a:t>, two pointers are maintained, LEFT and RIGHT, which point to either end of the </a:t>
+            </a:r>
+            <a:r>
+              <a:rPr lang="en-US" sz="1679" b="1" dirty="0" err="1"/>
+              <a:t>deque</a:t>
+            </a:r>
+            <a:r>
+              <a:rPr lang="en-US" sz="1679" b="1" dirty="0"/>
+              <a:t>. </a:t>
+            </a:r>
+            <a:endParaRPr sz="1679" b="1" dirty="0"/>
           </a:p>
           <a:p>
             <a:pPr marL="342900" lvl="0" indent="-274320" algn="l" rtl="0">
@@ -34110,10 +34126,34 @@
               <a:buChar char="🞇"/>
             </a:pPr>
             <a:r>
-              <a:rPr lang="en-US" sz="1679" b="1"/>
-              <a:t>The elements in a deque extend from the LEFT end to the RIGHT end and since it is circular, Dequeue[N–1] is followed by Dequeue[0].</a:t>
+              <a:rPr lang="en-US" sz="1679" b="1" dirty="0"/>
+              <a:t>The elements in a </a:t>
             </a:r>
-            <a:endParaRPr sz="1679" b="1"/>
+            <a:r>
+              <a:rPr lang="en-US" sz="1679" b="1" dirty="0" err="1"/>
+              <a:t>deque</a:t>
+            </a:r>
+            <a:r>
+              <a:rPr lang="en-US" sz="1679" b="1" dirty="0"/>
+              <a:t> extend from the LEFT end to the RIGHT end and since it is circular, </a:t>
+            </a:r>
+            <a:r>
+              <a:rPr lang="en-US" sz="1679" b="1" dirty="0" err="1"/>
+              <a:t>Dequeue</a:t>
+            </a:r>
+            <a:r>
+              <a:rPr lang="en-US" sz="1679" b="1" dirty="0"/>
+              <a:t>[N–1] is followed by </a:t>
+            </a:r>
+            <a:r>
+              <a:rPr lang="en-US" sz="1679" b="1" dirty="0" err="1"/>
+              <a:t>Dequeue</a:t>
+            </a:r>
+            <a:r>
+              <a:rPr lang="en-US" sz="1679" b="1" dirty="0"/>
+              <a:t>[0].</a:t>
+            </a:r>
+            <a:endParaRPr sz="1679" b="1" dirty="0"/>
           </a:p>
           <a:p>
             <a:pPr marL="342900" lvl="0" indent="-274320" algn="l" rtl="0">
@@ -34130,10 +34170,18 @@
               <a:buChar char="🞇"/>
             </a:pPr>
             <a:r>
-              <a:rPr lang="en-US" sz="1679" b="1"/>
-              <a:t>Consider the deques shown in Fig. 8.24. </a:t>
+              <a:rPr lang="en-US" sz="1679" b="1" dirty="0"/>
+              <a:t>Consider the </a:t>
             </a:r>
-            <a:endParaRPr/>
+            <a:r>
+              <a:rPr lang="en-US" sz="1679" b="1" dirty="0" err="1"/>
+              <a:t>deques</a:t>
+            </a:r>
+            <a:r>
+              <a:rPr lang="en-US" sz="1679" b="1" dirty="0"/>
+              <a:t> shown in Fig. 8.24. </a:t>
+            </a:r>
+            <a:endParaRPr dirty="0"/>
           </a:p>
         </p:txBody>
       </p:sp>
@@ -34357,10 +34405,10 @@
               <a:buNone/>
             </a:pPr>
             <a:r>
-              <a:rPr lang="en-US" sz="2400" b="1"/>
-              <a:t>Dequeues</a:t>
+              <a:rPr lang="en-US" sz="2400" b="1" dirty="0" err="1" smtClean="0"/>
+              <a:t>Deques</a:t>
             </a:r>
-            <a:endParaRPr sz="2400"/>
+            <a:endParaRPr sz="2400" dirty="0"/>
           </a:p>
         </p:txBody>
       </p:sp>
@@ -34404,10 +34452,10 @@
               <a:buChar char="🞇"/>
             </a:pPr>
             <a:r>
-              <a:rPr lang="en-US" b="1"/>
+              <a:rPr lang="en-US" b="1" dirty="0"/>
               <a:t>There are two variants of a double-ended queue. </a:t>
             </a:r>
-            <a:endParaRPr/>
+            <a:endParaRPr dirty="0"/>
           </a:p>
           <a:p>
             <a:pPr marL="342900" lvl="0" indent="-274319" algn="l" rtl="0">
@@ -34421,10 +34469,30 @@
               <a:buChar char="🞇"/>
             </a:pPr>
             <a:r>
-              <a:rPr lang="en-US" b="1"/>
-              <a:t>Input restricted deque: In this dequeue, insertions can be done only at one of the ends, while deletions can be done from both ends.</a:t>
+              <a:rPr lang="en-US" b="1" dirty="0"/>
+              <a:t>Input restricted </a:t>
             </a:r>
-            <a:endParaRPr b="1"/>
+            <a:r>
+              <a:rPr lang="en-US" b="1" dirty="0" err="1"/>
+              <a:t>deque</a:t>
+            </a:r>
+            <a:r>
+              <a:rPr lang="en-US" b="1" dirty="0"/>
+              <a:t>: In this </a:t>
+            </a:r>
+            <a:r>
+              <a:rPr lang="en-US" b="1" dirty="0" err="1" smtClean="0"/>
+              <a:t>deque</a:t>
+            </a:r>
+            <a:r>
+              <a:rPr lang="en-US" b="1" dirty="0" smtClean="0"/>
+              <a:t>, </a:t>
+            </a:r>
+            <a:r>
+              <a:rPr lang="en-US" b="1" dirty="0"/>
+              <a:t>insertions can be done only at one of the ends, while deletions can be done from both ends.</a:t>
+            </a:r>
+            <a:endParaRPr b="1" dirty="0"/>
           </a:p>
           <a:p>
             <a:pPr marL="342900" lvl="0" indent="-274319" algn="l" rtl="0">
@@ -34438,10 +34506,30 @@
               <a:buChar char="🞇"/>
             </a:pPr>
             <a:r>
-              <a:rPr lang="en-US" b="1"/>
-              <a:t>Output restricted deque: In this dequeue, deletions can be done only at one of the ends, while insertions can be done on both ends. </a:t>
+              <a:rPr lang="en-US" b="1" dirty="0"/>
+              <a:t>Output restricted </a:t>
             </a:r>
-            <a:endParaRPr/>
+            <a:r>
+              <a:rPr lang="en-US" b="1" dirty="0" err="1"/>
+              <a:t>deque</a:t>
+            </a:r>
+            <a:r>
+              <a:rPr lang="en-US" b="1" dirty="0"/>
+              <a:t>: In this </a:t>
+            </a:r>
+            <a:r>
+              <a:rPr lang="en-US" b="1" dirty="0" err="1" smtClean="0"/>
+              <a:t>deque</a:t>
+            </a:r>
+            <a:r>
+              <a:rPr lang="en-US" b="1" dirty="0" smtClean="0"/>
+              <a:t>, </a:t>
+            </a:r>
+            <a:r>
+              <a:rPr lang="en-US" b="1" dirty="0"/>
+              <a:t>deletions can be done only at one of the ends, while insertions can be done on both ends. </a:t>
+            </a:r>
+            <a:endParaRPr dirty="0"/>
           </a:p>
         </p:txBody>
       </p:sp>
